--- a/面试题/新建 Microsoft PowerPoint 演示文稿.pptx
+++ b/面试题/新建 Microsoft PowerPoint 演示文稿.pptx
@@ -853,7 +853,7 @@
           <a:p>
             <a:fld id="{2A527D7F-9034-4FDB-BD59-D1F089084947}" type="datetimeFigureOut">
               <a:rPr lang="zh-CN" altLang="en-US" smtClean="0"/>
-              <a:t>2019/5/29</a:t>
+              <a:t>2019/12/14</a:t>
             </a:fld>
             <a:endParaRPr lang="zh-CN" altLang="en-US"/>
           </a:p>
@@ -1104,7 +1104,7 @@
           <a:p>
             <a:fld id="{2A527D7F-9034-4FDB-BD59-D1F089084947}" type="datetimeFigureOut">
               <a:rPr lang="zh-CN" altLang="en-US" smtClean="0"/>
-              <a:t>2019/5/29</a:t>
+              <a:t>2019/12/14</a:t>
             </a:fld>
             <a:endParaRPr lang="zh-CN" altLang="en-US"/>
           </a:p>
@@ -1418,7 +1418,7 @@
           <a:p>
             <a:fld id="{2A527D7F-9034-4FDB-BD59-D1F089084947}" type="datetimeFigureOut">
               <a:rPr lang="zh-CN" altLang="en-US" smtClean="0"/>
-              <a:t>2019/5/29</a:t>
+              <a:t>2019/12/14</a:t>
             </a:fld>
             <a:endParaRPr lang="zh-CN" altLang="en-US"/>
           </a:p>
@@ -1759,7 +1759,7 @@
           <a:p>
             <a:fld id="{2A527D7F-9034-4FDB-BD59-D1F089084947}" type="datetimeFigureOut">
               <a:rPr lang="zh-CN" altLang="en-US" smtClean="0"/>
-              <a:t>2019/5/29</a:t>
+              <a:t>2019/12/14</a:t>
             </a:fld>
             <a:endParaRPr lang="zh-CN" altLang="en-US"/>
           </a:p>
@@ -2073,7 +2073,7 @@
           <a:p>
             <a:fld id="{2A527D7F-9034-4FDB-BD59-D1F089084947}" type="datetimeFigureOut">
               <a:rPr lang="zh-CN" altLang="en-US" smtClean="0"/>
-              <a:t>2019/5/29</a:t>
+              <a:t>2019/12/14</a:t>
             </a:fld>
             <a:endParaRPr lang="zh-CN" altLang="en-US"/>
           </a:p>
@@ -2466,7 +2466,7 @@
           <a:p>
             <a:fld id="{2A527D7F-9034-4FDB-BD59-D1F089084947}" type="datetimeFigureOut">
               <a:rPr lang="zh-CN" altLang="en-US" smtClean="0"/>
-              <a:t>2019/5/29</a:t>
+              <a:t>2019/12/14</a:t>
             </a:fld>
             <a:endParaRPr lang="zh-CN" altLang="en-US"/>
           </a:p>
@@ -2636,7 +2636,7 @@
           <a:p>
             <a:fld id="{2A527D7F-9034-4FDB-BD59-D1F089084947}" type="datetimeFigureOut">
               <a:rPr lang="zh-CN" altLang="en-US" smtClean="0"/>
-              <a:t>2019/5/29</a:t>
+              <a:t>2019/12/14</a:t>
             </a:fld>
             <a:endParaRPr lang="zh-CN" altLang="en-US"/>
           </a:p>
@@ -2816,7 +2816,7 @@
           <a:p>
             <a:fld id="{2A527D7F-9034-4FDB-BD59-D1F089084947}" type="datetimeFigureOut">
               <a:rPr lang="zh-CN" altLang="en-US" smtClean="0"/>
-              <a:t>2019/5/29</a:t>
+              <a:t>2019/12/14</a:t>
             </a:fld>
             <a:endParaRPr lang="zh-CN" altLang="en-US"/>
           </a:p>
@@ -2992,7 +2992,7 @@
           <a:p>
             <a:fld id="{2A527D7F-9034-4FDB-BD59-D1F089084947}" type="datetimeFigureOut">
               <a:rPr lang="zh-CN" altLang="en-US" smtClean="0"/>
-              <a:t>2019/5/29</a:t>
+              <a:t>2019/12/14</a:t>
             </a:fld>
             <a:endParaRPr lang="zh-CN" altLang="en-US"/>
           </a:p>
@@ -3239,7 +3239,7 @@
           <a:p>
             <a:fld id="{2A527D7F-9034-4FDB-BD59-D1F089084947}" type="datetimeFigureOut">
               <a:rPr lang="zh-CN" altLang="en-US" smtClean="0"/>
-              <a:t>2019/5/29</a:t>
+              <a:t>2019/12/14</a:t>
             </a:fld>
             <a:endParaRPr lang="zh-CN" altLang="en-US"/>
           </a:p>
@@ -3471,7 +3471,7 @@
           <a:p>
             <a:fld id="{2A527D7F-9034-4FDB-BD59-D1F089084947}" type="datetimeFigureOut">
               <a:rPr lang="zh-CN" altLang="en-US" smtClean="0"/>
-              <a:t>2019/5/29</a:t>
+              <a:t>2019/12/14</a:t>
             </a:fld>
             <a:endParaRPr lang="zh-CN" altLang="en-US"/>
           </a:p>
@@ -3845,7 +3845,7 @@
           <a:p>
             <a:fld id="{2A527D7F-9034-4FDB-BD59-D1F089084947}" type="datetimeFigureOut">
               <a:rPr lang="zh-CN" altLang="en-US" smtClean="0"/>
-              <a:t>2019/5/29</a:t>
+              <a:t>2019/12/14</a:t>
             </a:fld>
             <a:endParaRPr lang="zh-CN" altLang="en-US"/>
           </a:p>
@@ -3968,7 +3968,7 @@
           <a:p>
             <a:fld id="{2A527D7F-9034-4FDB-BD59-D1F089084947}" type="datetimeFigureOut">
               <a:rPr lang="zh-CN" altLang="en-US" smtClean="0"/>
-              <a:t>2019/5/29</a:t>
+              <a:t>2019/12/14</a:t>
             </a:fld>
             <a:endParaRPr lang="zh-CN" altLang="en-US"/>
           </a:p>
@@ -4063,7 +4063,7 @@
           <a:p>
             <a:fld id="{2A527D7F-9034-4FDB-BD59-D1F089084947}" type="datetimeFigureOut">
               <a:rPr lang="zh-CN" altLang="en-US" smtClean="0"/>
-              <a:t>2019/5/29</a:t>
+              <a:t>2019/12/14</a:t>
             </a:fld>
             <a:endParaRPr lang="zh-CN" altLang="en-US"/>
           </a:p>
@@ -4318,7 +4318,7 @@
           <a:p>
             <a:fld id="{2A527D7F-9034-4FDB-BD59-D1F089084947}" type="datetimeFigureOut">
               <a:rPr lang="zh-CN" altLang="en-US" smtClean="0"/>
-              <a:t>2019/5/29</a:t>
+              <a:t>2019/12/14</a:t>
             </a:fld>
             <a:endParaRPr lang="zh-CN" altLang="en-US"/>
           </a:p>
@@ -4581,7 +4581,7 @@
           <a:p>
             <a:fld id="{2A527D7F-9034-4FDB-BD59-D1F089084947}" type="datetimeFigureOut">
               <a:rPr lang="zh-CN" altLang="en-US" smtClean="0"/>
-              <a:t>2019/5/29</a:t>
+              <a:t>2019/12/14</a:t>
             </a:fld>
             <a:endParaRPr lang="zh-CN" altLang="en-US"/>
           </a:p>
@@ -5324,7 +5324,7 @@
           <a:p>
             <a:fld id="{2A527D7F-9034-4FDB-BD59-D1F089084947}" type="datetimeFigureOut">
               <a:rPr lang="zh-CN" altLang="en-US" smtClean="0"/>
-              <a:t>2019/5/29</a:t>
+              <a:t>2019/12/14</a:t>
             </a:fld>
             <a:endParaRPr lang="zh-CN" altLang="en-US"/>
           </a:p>
@@ -8754,7 +8754,7 @@
         <p:spPr>
           <a:xfrm>
             <a:off x="1019909" y="3411414"/>
-            <a:ext cx="3367453" cy="369332"/>
+            <a:ext cx="4501660" cy="369332"/>
           </a:xfrm>
           <a:prstGeom prst="rect">
             <a:avLst/>
@@ -8773,7 +8773,63 @@
                   <a:srgbClr val="FF0000"/>
                 </a:solidFill>
               </a:rPr>
-              <a:t>已完成，递归实现</a:t>
+              <a:t>已完成，递归</a:t>
+            </a:r>
+            <a:r>
+              <a:rPr lang="zh-CN" altLang="en-US" dirty="0" smtClean="0">
+                <a:solidFill>
+                  <a:srgbClr val="FF0000"/>
+                </a:solidFill>
+              </a:rPr>
+              <a:t>实现</a:t>
+            </a:r>
+            <a:r>
+              <a:rPr lang="en-US" altLang="zh-CN" dirty="0" smtClean="0">
+                <a:solidFill>
+                  <a:srgbClr val="FF0000"/>
+                </a:solidFill>
+              </a:rPr>
+              <a:t>,</a:t>
+            </a:r>
+            <a:r>
+              <a:rPr lang="zh-CN" altLang="en-US" dirty="0" smtClean="0">
+                <a:solidFill>
+                  <a:srgbClr val="FF0000"/>
+                </a:solidFill>
+              </a:rPr>
+              <a:t>剑指</a:t>
+            </a:r>
+            <a:r>
+              <a:rPr lang="en-US" altLang="zh-CN" dirty="0" smtClean="0">
+                <a:solidFill>
+                  <a:srgbClr val="FF0000"/>
+                </a:solidFill>
+              </a:rPr>
+              <a:t>offer</a:t>
+            </a:r>
+            <a:r>
+              <a:rPr lang="zh-CN" altLang="en-US" dirty="0" smtClean="0">
+                <a:solidFill>
+                  <a:srgbClr val="FF0000"/>
+                </a:solidFill>
+              </a:rPr>
+              <a:t>第</a:t>
+            </a:r>
+            <a:r>
+              <a:rPr lang="en-US" altLang="zh-CN" dirty="0" smtClean="0">
+                <a:solidFill>
+                  <a:srgbClr val="FF0000"/>
+                </a:solidFill>
+              </a:rPr>
+              <a:t>5</a:t>
+            </a:r>
+            <a:r>
+              <a:rPr lang="zh-CN" altLang="en-US" dirty="0" smtClean="0">
+                <a:solidFill>
+                  <a:srgbClr val="FF0000"/>
+                </a:solidFill>
+              </a:rPr>
+              <a:t>题</a:t>
             </a:r>
             <a:endParaRPr lang="zh-CN" altLang="en-US" dirty="0">
               <a:solidFill>
